--- a/writeup/figures/OverviewFig.pptx
+++ b/writeup/figures/OverviewFig.pptx
@@ -288,7 +288,7 @@
           <a:p>
             <a:fld id="{6CABA93C-DC80-9046-97C2-C65CE0460EDC}" type="datetimeFigureOut">
               <a:rPr lang="en-US" smtClean="0"/>
-              <a:t>1/18/16</a:t>
+              <a:t>2/7/16</a:t>
             </a:fld>
             <a:endParaRPr lang="en-US"/>
           </a:p>
@@ -458,7 +458,7 @@
           <a:p>
             <a:fld id="{6CABA93C-DC80-9046-97C2-C65CE0460EDC}" type="datetimeFigureOut">
               <a:rPr lang="en-US" smtClean="0"/>
-              <a:t>1/18/16</a:t>
+              <a:t>2/7/16</a:t>
             </a:fld>
             <a:endParaRPr lang="en-US"/>
           </a:p>
@@ -638,7 +638,7 @@
           <a:p>
             <a:fld id="{6CABA93C-DC80-9046-97C2-C65CE0460EDC}" type="datetimeFigureOut">
               <a:rPr lang="en-US" smtClean="0"/>
-              <a:t>1/18/16</a:t>
+              <a:t>2/7/16</a:t>
             </a:fld>
             <a:endParaRPr lang="en-US"/>
           </a:p>
@@ -808,7 +808,7 @@
           <a:p>
             <a:fld id="{6CABA93C-DC80-9046-97C2-C65CE0460EDC}" type="datetimeFigureOut">
               <a:rPr lang="en-US" smtClean="0"/>
-              <a:t>1/18/16</a:t>
+              <a:t>2/7/16</a:t>
             </a:fld>
             <a:endParaRPr lang="en-US"/>
           </a:p>
@@ -1054,7 +1054,7 @@
           <a:p>
             <a:fld id="{6CABA93C-DC80-9046-97C2-C65CE0460EDC}" type="datetimeFigureOut">
               <a:rPr lang="en-US" smtClean="0"/>
-              <a:t>1/18/16</a:t>
+              <a:t>2/7/16</a:t>
             </a:fld>
             <a:endParaRPr lang="en-US"/>
           </a:p>
@@ -1342,7 +1342,7 @@
           <a:p>
             <a:fld id="{6CABA93C-DC80-9046-97C2-C65CE0460EDC}" type="datetimeFigureOut">
               <a:rPr lang="en-US" smtClean="0"/>
-              <a:t>1/18/16</a:t>
+              <a:t>2/7/16</a:t>
             </a:fld>
             <a:endParaRPr lang="en-US"/>
           </a:p>
@@ -1769,7 +1769,7 @@
           <a:p>
             <a:fld id="{6CABA93C-DC80-9046-97C2-C65CE0460EDC}" type="datetimeFigureOut">
               <a:rPr lang="en-US" smtClean="0"/>
-              <a:t>1/18/16</a:t>
+              <a:t>2/7/16</a:t>
             </a:fld>
             <a:endParaRPr lang="en-US"/>
           </a:p>
@@ -1887,7 +1887,7 @@
           <a:p>
             <a:fld id="{6CABA93C-DC80-9046-97C2-C65CE0460EDC}" type="datetimeFigureOut">
               <a:rPr lang="en-US" smtClean="0"/>
-              <a:t>1/18/16</a:t>
+              <a:t>2/7/16</a:t>
             </a:fld>
             <a:endParaRPr lang="en-US"/>
           </a:p>
@@ -1982,7 +1982,7 @@
           <a:p>
             <a:fld id="{6CABA93C-DC80-9046-97C2-C65CE0460EDC}" type="datetimeFigureOut">
               <a:rPr lang="en-US" smtClean="0"/>
-              <a:t>1/18/16</a:t>
+              <a:t>2/7/16</a:t>
             </a:fld>
             <a:endParaRPr lang="en-US"/>
           </a:p>
@@ -2259,7 +2259,7 @@
           <a:p>
             <a:fld id="{6CABA93C-DC80-9046-97C2-C65CE0460EDC}" type="datetimeFigureOut">
               <a:rPr lang="en-US" smtClean="0"/>
-              <a:t>1/18/16</a:t>
+              <a:t>2/7/16</a:t>
             </a:fld>
             <a:endParaRPr lang="en-US"/>
           </a:p>
@@ -2512,7 +2512,7 @@
           <a:p>
             <a:fld id="{6CABA93C-DC80-9046-97C2-C65CE0460EDC}" type="datetimeFigureOut">
               <a:rPr lang="en-US" smtClean="0"/>
-              <a:t>1/18/16</a:t>
+              <a:t>2/7/16</a:t>
             </a:fld>
             <a:endParaRPr lang="en-US"/>
           </a:p>
@@ -2725,7 +2725,7 @@
           <a:p>
             <a:fld id="{6CABA93C-DC80-9046-97C2-C65CE0460EDC}" type="datetimeFigureOut">
               <a:rPr lang="en-US" smtClean="0"/>
-              <a:t>1/18/16</a:t>
+              <a:t>2/7/16</a:t>
             </a:fld>
             <a:endParaRPr lang="en-US"/>
           </a:p>
@@ -3108,8 +3108,8 @@
         </p:nvSpPr>
         <p:spPr>
           <a:xfrm>
-            <a:off x="5543577" y="1339674"/>
-            <a:ext cx="3237007" cy="4371963"/>
+            <a:off x="5393323" y="1339674"/>
+            <a:ext cx="3387262" cy="4371963"/>
           </a:xfrm>
           <a:prstGeom prst="rect">
             <a:avLst/>
@@ -3156,8 +3156,8 @@
         </p:nvSpPr>
         <p:spPr>
           <a:xfrm>
-            <a:off x="5835228" y="3234567"/>
-            <a:ext cx="2620225" cy="2188849"/>
+            <a:off x="5671687" y="3234567"/>
+            <a:ext cx="2825973" cy="2188849"/>
           </a:xfrm>
           <a:prstGeom prst="rect">
             <a:avLst/>
@@ -3344,8 +3344,8 @@
         </p:nvSpPr>
         <p:spPr>
           <a:xfrm>
-            <a:off x="5985422" y="3909807"/>
-            <a:ext cx="2364124" cy="1015663"/>
+            <a:off x="5835228" y="3909807"/>
+            <a:ext cx="2662433" cy="1015663"/>
           </a:xfrm>
           <a:prstGeom prst="rect">
             <a:avLst/>
@@ -3363,7 +3363,7 @@
                 <a:latin typeface="Times New Roman"/>
                 <a:cs typeface="Times New Roman"/>
               </a:rPr>
-              <a:t>Engine</a:t>
+              <a:t>Enclave</a:t>
             </a:r>
             <a:endParaRPr lang="en-US" sz="6000" dirty="0">
               <a:latin typeface="Times New Roman"/>
@@ -3512,80 +3512,6 @@
             <a:endParaRPr lang="en-US" sz="5400" dirty="0">
               <a:latin typeface="Times New Roman"/>
               <a:cs typeface="Times New Roman"/>
-            </a:endParaRPr>
-          </a:p>
-        </p:txBody>
-      </p:sp>
-      <p:cxnSp>
-        <p:nvCxnSpPr>
-          <p:cNvPr id="15" name="Straight Connector 14"/>
-          <p:cNvCxnSpPr>
-            <a:endCxn id="5" idx="2"/>
-          </p:cNvCxnSpPr>
-          <p:nvPr/>
-        </p:nvCxnSpPr>
-        <p:spPr>
-          <a:xfrm flipV="1">
-            <a:off x="5704168" y="5423416"/>
-            <a:ext cx="1441173" cy="781538"/>
-          </a:xfrm>
-          <a:prstGeom prst="line">
-            <a:avLst/>
-          </a:prstGeom>
-          <a:ln>
-            <a:solidFill>
-              <a:schemeClr val="tx1"/>
-            </a:solidFill>
-            <a:prstDash val="sysDash"/>
-          </a:ln>
-        </p:spPr>
-        <p:style>
-          <a:lnRef idx="2">
-            <a:schemeClr val="accent1"/>
-          </a:lnRef>
-          <a:fillRef idx="0">
-            <a:schemeClr val="accent1"/>
-          </a:fillRef>
-          <a:effectRef idx="1">
-            <a:schemeClr val="accent1"/>
-          </a:effectRef>
-          <a:fontRef idx="minor">
-            <a:schemeClr val="tx1"/>
-          </a:fontRef>
-        </p:style>
-      </p:cxnSp>
-      <p:sp>
-        <p:nvSpPr>
-          <p:cNvPr id="17" name="TextBox 16"/>
-          <p:cNvSpPr txBox="1"/>
-          <p:nvPr/>
-        </p:nvSpPr>
-        <p:spPr>
-          <a:xfrm>
-            <a:off x="4666108" y="6034802"/>
-            <a:ext cx="3089007" cy="646331"/>
-          </a:xfrm>
-          <a:prstGeom prst="rect">
-            <a:avLst/>
-          </a:prstGeom>
-          <a:noFill/>
-        </p:spPr>
-        <p:txBody>
-          <a:bodyPr wrap="none" rtlCol="0">
-            <a:spAutoFit/>
-          </a:bodyPr>
-          <a:lstStyle/>
-          <a:p>
-            <a:r>
-              <a:rPr lang="en-US" sz="3600" dirty="0" smtClean="0">
-                <a:latin typeface="Verdana"/>
-                <a:cs typeface="Verdana"/>
-              </a:rPr>
-              <a:t>SGX enclave</a:t>
-            </a:r>
-            <a:endParaRPr lang="en-US" sz="3600" dirty="0">
-              <a:latin typeface="Verdana"/>
-              <a:cs typeface="Verdana"/>
             </a:endParaRPr>
           </a:p>
         </p:txBody>
@@ -4021,8 +3947,8 @@
         </p:nvSpPr>
         <p:spPr>
           <a:xfrm>
-            <a:off x="5835228" y="1487417"/>
-            <a:ext cx="2620225" cy="1534683"/>
+            <a:off x="5671688" y="1487417"/>
+            <a:ext cx="2783766" cy="1534683"/>
           </a:xfrm>
           <a:prstGeom prst="rect">
             <a:avLst/>

--- a/writeup/figures/OverviewFig.pptx
+++ b/writeup/figures/OverviewFig.pptx
@@ -288,7 +288,7 @@
           <a:p>
             <a:fld id="{6CABA93C-DC80-9046-97C2-C65CE0460EDC}" type="datetimeFigureOut">
               <a:rPr lang="en-US" smtClean="0"/>
-              <a:t>2/7/16</a:t>
+              <a:t>2/9/16</a:t>
             </a:fld>
             <a:endParaRPr lang="en-US"/>
           </a:p>
@@ -458,7 +458,7 @@
           <a:p>
             <a:fld id="{6CABA93C-DC80-9046-97C2-C65CE0460EDC}" type="datetimeFigureOut">
               <a:rPr lang="en-US" smtClean="0"/>
-              <a:t>2/7/16</a:t>
+              <a:t>2/9/16</a:t>
             </a:fld>
             <a:endParaRPr lang="en-US"/>
           </a:p>
@@ -638,7 +638,7 @@
           <a:p>
             <a:fld id="{6CABA93C-DC80-9046-97C2-C65CE0460EDC}" type="datetimeFigureOut">
               <a:rPr lang="en-US" smtClean="0"/>
-              <a:t>2/7/16</a:t>
+              <a:t>2/9/16</a:t>
             </a:fld>
             <a:endParaRPr lang="en-US"/>
           </a:p>
@@ -808,7 +808,7 @@
           <a:p>
             <a:fld id="{6CABA93C-DC80-9046-97C2-C65CE0460EDC}" type="datetimeFigureOut">
               <a:rPr lang="en-US" smtClean="0"/>
-              <a:t>2/7/16</a:t>
+              <a:t>2/9/16</a:t>
             </a:fld>
             <a:endParaRPr lang="en-US"/>
           </a:p>
@@ -1054,7 +1054,7 @@
           <a:p>
             <a:fld id="{6CABA93C-DC80-9046-97C2-C65CE0460EDC}" type="datetimeFigureOut">
               <a:rPr lang="en-US" smtClean="0"/>
-              <a:t>2/7/16</a:t>
+              <a:t>2/9/16</a:t>
             </a:fld>
             <a:endParaRPr lang="en-US"/>
           </a:p>
@@ -1342,7 +1342,7 @@
           <a:p>
             <a:fld id="{6CABA93C-DC80-9046-97C2-C65CE0460EDC}" type="datetimeFigureOut">
               <a:rPr lang="en-US" smtClean="0"/>
-              <a:t>2/7/16</a:t>
+              <a:t>2/9/16</a:t>
             </a:fld>
             <a:endParaRPr lang="en-US"/>
           </a:p>
@@ -1769,7 +1769,7 @@
           <a:p>
             <a:fld id="{6CABA93C-DC80-9046-97C2-C65CE0460EDC}" type="datetimeFigureOut">
               <a:rPr lang="en-US" smtClean="0"/>
-              <a:t>2/7/16</a:t>
+              <a:t>2/9/16</a:t>
             </a:fld>
             <a:endParaRPr lang="en-US"/>
           </a:p>
@@ -1887,7 +1887,7 @@
           <a:p>
             <a:fld id="{6CABA93C-DC80-9046-97C2-C65CE0460EDC}" type="datetimeFigureOut">
               <a:rPr lang="en-US" smtClean="0"/>
-              <a:t>2/7/16</a:t>
+              <a:t>2/9/16</a:t>
             </a:fld>
             <a:endParaRPr lang="en-US"/>
           </a:p>
@@ -1982,7 +1982,7 @@
           <a:p>
             <a:fld id="{6CABA93C-DC80-9046-97C2-C65CE0460EDC}" type="datetimeFigureOut">
               <a:rPr lang="en-US" smtClean="0"/>
-              <a:t>2/7/16</a:t>
+              <a:t>2/9/16</a:t>
             </a:fld>
             <a:endParaRPr lang="en-US"/>
           </a:p>
@@ -2259,7 +2259,7 @@
           <a:p>
             <a:fld id="{6CABA93C-DC80-9046-97C2-C65CE0460EDC}" type="datetimeFigureOut">
               <a:rPr lang="en-US" smtClean="0"/>
-              <a:t>2/7/16</a:t>
+              <a:t>2/9/16</a:t>
             </a:fld>
             <a:endParaRPr lang="en-US"/>
           </a:p>
@@ -2512,7 +2512,7 @@
           <a:p>
             <a:fld id="{6CABA93C-DC80-9046-97C2-C65CE0460EDC}" type="datetimeFigureOut">
               <a:rPr lang="en-US" smtClean="0"/>
-              <a:t>2/7/16</a:t>
+              <a:t>2/9/16</a:t>
             </a:fld>
             <a:endParaRPr lang="en-US"/>
           </a:p>
@@ -2725,7 +2725,7 @@
           <a:p>
             <a:fld id="{6CABA93C-DC80-9046-97C2-C65CE0460EDC}" type="datetimeFigureOut">
               <a:rPr lang="en-US" smtClean="0"/>
-              <a:t>2/7/16</a:t>
+              <a:t>2/9/16</a:t>
             </a:fld>
             <a:endParaRPr lang="en-US"/>
           </a:p>
@@ -3582,11 +3582,11 @@
               <a:t>C</a:t>
             </a:r>
             <a:r>
-              <a:rPr lang="en-US" sz="7200" i="1" baseline="-25000" dirty="0" smtClean="0">
+              <a:rPr lang="en-US" sz="7200" i="1" baseline="-25000" dirty="0">
                 <a:latin typeface="Times"/>
                 <a:cs typeface="Times"/>
               </a:rPr>
-              <a:t>R</a:t>
+              <a:t>U</a:t>
             </a:r>
             <a:endParaRPr lang="en-US" sz="7200" i="1" dirty="0">
               <a:latin typeface="Times"/>
@@ -3653,7 +3653,7 @@
         <p:spPr>
           <a:xfrm>
             <a:off x="10219398" y="1339674"/>
-            <a:ext cx="3390672" cy="4371963"/>
+            <a:ext cx="3496602" cy="4371963"/>
           </a:xfrm>
           <a:prstGeom prst="rect">
             <a:avLst/>
@@ -3772,7 +3772,7 @@
         <p:spPr>
           <a:xfrm>
             <a:off x="7645163" y="2604151"/>
-            <a:ext cx="3166576" cy="0"/>
+            <a:ext cx="3402448" cy="10325"/>
           </a:xfrm>
           <a:prstGeom prst="line">
             <a:avLst/>
@@ -3805,13 +3805,17 @@
         </p:nvSpPr>
         <p:spPr>
           <a:xfrm>
-            <a:off x="8744277" y="1896265"/>
-            <a:ext cx="1531689" cy="707886"/>
+            <a:off x="8497661" y="1577006"/>
+            <a:ext cx="2003148" cy="923330"/>
           </a:xfrm>
           <a:prstGeom prst="rect">
             <a:avLst/>
           </a:prstGeom>
-          <a:noFill/>
+          <a:solidFill>
+            <a:schemeClr val="bg1">
+              <a:alpha val="65000"/>
+            </a:schemeClr>
+          </a:solidFill>
         </p:spPr>
         <p:txBody>
           <a:bodyPr wrap="none" rtlCol="0">
@@ -3820,14 +3824,14 @@
           <a:lstStyle/>
           <a:p>
             <a:r>
-              <a:rPr lang="en-US" sz="4000" b="1" dirty="0" smtClean="0">
+              <a:rPr lang="en-US" sz="5400" b="1" dirty="0" smtClean="0">
                 <a:solidFill>
                   <a:srgbClr val="FF0000"/>
                 </a:solidFill>
               </a:rPr>
               <a:t>HTTPS</a:t>
             </a:r>
-            <a:endParaRPr lang="en-US" sz="4000" b="1" dirty="0">
+            <a:endParaRPr lang="en-US" sz="5400" b="1" dirty="0">
               <a:solidFill>
                 <a:srgbClr val="FF0000"/>
               </a:solidFill>
@@ -3843,8 +3847,8 @@
         </p:nvSpPr>
         <p:spPr>
           <a:xfrm>
-            <a:off x="10219398" y="3059682"/>
-            <a:ext cx="3390672" cy="584776"/>
+            <a:off x="10219398" y="2921182"/>
+            <a:ext cx="3570759" cy="1446550"/>
           </a:xfrm>
           <a:prstGeom prst="rect">
             <a:avLst/>
@@ -3852,19 +3856,37 @@
           <a:noFill/>
         </p:spPr>
         <p:txBody>
-          <a:bodyPr wrap="none" rtlCol="0">
+          <a:bodyPr wrap="square" rtlCol="0">
             <a:spAutoFit/>
           </a:bodyPr>
           <a:lstStyle/>
           <a:p>
-            <a:r>
-              <a:rPr lang="en-US" sz="3200" b="1" dirty="0" err="1" smtClean="0">
+            <a:pPr algn="ctr"/>
+            <a:r>
+              <a:rPr lang="en-US" sz="4400" b="1" dirty="0" err="1" smtClean="0">
                 <a:latin typeface="Courier"/>
                 <a:cs typeface="Courier"/>
               </a:rPr>
-              <a:t>LotsOData.com</a:t>
-            </a:r>
-            <a:endParaRPr lang="en-US" sz="3200" b="1" dirty="0">
+              <a:t>LotsOData</a:t>
+            </a:r>
+            <a:r>
+              <a:rPr lang="en-US" sz="4400" b="1" dirty="0" smtClean="0">
+                <a:latin typeface="Courier"/>
+                <a:cs typeface="Courier"/>
+              </a:rPr>
+              <a:t>.</a:t>
+            </a:r>
+          </a:p>
+          <a:p>
+            <a:pPr algn="ctr"/>
+            <a:r>
+              <a:rPr lang="en-US" sz="4400" b="1" dirty="0" smtClean="0">
+                <a:latin typeface="Courier"/>
+                <a:cs typeface="Courier"/>
+              </a:rPr>
+              <a:t>com</a:t>
+            </a:r>
+            <a:endParaRPr lang="en-US" sz="4400" b="1" dirty="0">
               <a:latin typeface="Courier"/>
               <a:cs typeface="Courier"/>
             </a:endParaRPr>

--- a/writeup/figures/OverviewFig.pptx
+++ b/writeup/figures/OverviewFig.pptx
@@ -7,7 +7,7 @@
   <p:sldIdLst>
     <p:sldId id="256" r:id="rId2"/>
   </p:sldIdLst>
-  <p:sldSz cx="13716000" cy="6858000"/>
+  <p:sldSz cx="15544800" cy="6858000"/>
   <p:notesSz cx="6858000" cy="9144000"/>
   <p:defaultTextStyle>
     <a:defPPr>
@@ -136,8 +136,8 @@
         </p:nvSpPr>
         <p:spPr>
           <a:xfrm>
-            <a:off x="1028700" y="2130427"/>
-            <a:ext cx="11658600" cy="1470025"/>
+            <a:off x="1165860" y="2130428"/>
+            <a:ext cx="13213080" cy="1470025"/>
           </a:xfrm>
         </p:spPr>
         <p:txBody>
@@ -164,8 +164,8 @@
         </p:nvSpPr>
         <p:spPr>
           <a:xfrm>
-            <a:off x="2057400" y="3886200"/>
-            <a:ext cx="9601200" cy="1752600"/>
+            <a:off x="2331720" y="3886200"/>
+            <a:ext cx="10881360" cy="1752600"/>
           </a:xfrm>
         </p:spPr>
         <p:txBody>
@@ -548,8 +548,8 @@
         </p:nvSpPr>
         <p:spPr>
           <a:xfrm>
-            <a:off x="13923171" y="274640"/>
-            <a:ext cx="4319588" cy="5851525"/>
+            <a:off x="15779594" y="274641"/>
+            <a:ext cx="4895533" cy="5851525"/>
           </a:xfrm>
         </p:spPr>
         <p:txBody>
@@ -576,8 +576,8 @@
         </p:nvSpPr>
         <p:spPr>
           <a:xfrm>
-            <a:off x="959644" y="274640"/>
-            <a:ext cx="12734925" cy="5851525"/>
+            <a:off x="1087597" y="274641"/>
+            <a:ext cx="14432915" cy="5851525"/>
           </a:xfrm>
         </p:spPr>
         <p:txBody>
@@ -898,8 +898,8 @@
         </p:nvSpPr>
         <p:spPr>
           <a:xfrm>
-            <a:off x="1083469" y="4406902"/>
-            <a:ext cx="11658600" cy="1362075"/>
+            <a:off x="1227932" y="4406903"/>
+            <a:ext cx="13213080" cy="1362075"/>
           </a:xfrm>
         </p:spPr>
         <p:txBody>
@@ -930,8 +930,8 @@
         </p:nvSpPr>
         <p:spPr>
           <a:xfrm>
-            <a:off x="1083469" y="2906713"/>
-            <a:ext cx="11658600" cy="1500187"/>
+            <a:off x="1227932" y="2906713"/>
+            <a:ext cx="13213080" cy="1500187"/>
           </a:xfrm>
         </p:spPr>
         <p:txBody>
@@ -1167,8 +1167,8 @@
         </p:nvSpPr>
         <p:spPr>
           <a:xfrm>
-            <a:off x="959645" y="1600202"/>
-            <a:ext cx="8527256" cy="4525963"/>
+            <a:off x="1087598" y="1600203"/>
+            <a:ext cx="9664223" cy="4525963"/>
           </a:xfrm>
         </p:spPr>
         <p:txBody>
@@ -1252,8 +1252,8 @@
         </p:nvSpPr>
         <p:spPr>
           <a:xfrm>
-            <a:off x="9715500" y="1600202"/>
-            <a:ext cx="8527257" cy="4525963"/>
+            <a:off x="11010900" y="1600203"/>
+            <a:ext cx="9664225" cy="4525963"/>
           </a:xfrm>
         </p:spPr>
         <p:txBody>
@@ -1432,8 +1432,8 @@
         </p:nvSpPr>
         <p:spPr>
           <a:xfrm>
-            <a:off x="685800" y="274638"/>
-            <a:ext cx="12344400" cy="1143000"/>
+            <a:off x="777240" y="274638"/>
+            <a:ext cx="13990320" cy="1143000"/>
           </a:xfrm>
         </p:spPr>
         <p:txBody>
@@ -1464,8 +1464,8 @@
         </p:nvSpPr>
         <p:spPr>
           <a:xfrm>
-            <a:off x="685800" y="1535113"/>
-            <a:ext cx="6060282" cy="639762"/>
+            <a:off x="777240" y="1535113"/>
+            <a:ext cx="6868320" cy="639762"/>
           </a:xfrm>
         </p:spPr>
         <p:txBody>
@@ -1529,8 +1529,8 @@
         </p:nvSpPr>
         <p:spPr>
           <a:xfrm>
-            <a:off x="685800" y="2174875"/>
-            <a:ext cx="6060282" cy="3951288"/>
+            <a:off x="777240" y="2174875"/>
+            <a:ext cx="6868320" cy="3951288"/>
           </a:xfrm>
         </p:spPr>
         <p:txBody>
@@ -1614,8 +1614,8 @@
         </p:nvSpPr>
         <p:spPr>
           <a:xfrm>
-            <a:off x="6967539" y="1535113"/>
-            <a:ext cx="6062663" cy="639762"/>
+            <a:off x="7896545" y="1535113"/>
+            <a:ext cx="6871018" cy="639762"/>
           </a:xfrm>
         </p:spPr>
         <p:txBody>
@@ -1679,8 +1679,8 @@
         </p:nvSpPr>
         <p:spPr>
           <a:xfrm>
-            <a:off x="6967539" y="2174875"/>
-            <a:ext cx="6062663" cy="3951288"/>
+            <a:off x="7896545" y="2174875"/>
+            <a:ext cx="6871018" cy="3951288"/>
           </a:xfrm>
         </p:spPr>
         <p:txBody>
@@ -2072,8 +2072,8 @@
         </p:nvSpPr>
         <p:spPr>
           <a:xfrm>
-            <a:off x="685801" y="273050"/>
-            <a:ext cx="4512469" cy="1162050"/>
+            <a:off x="777241" y="273050"/>
+            <a:ext cx="5114132" cy="1162050"/>
           </a:xfrm>
         </p:spPr>
         <p:txBody>
@@ -2104,8 +2104,8 @@
         </p:nvSpPr>
         <p:spPr>
           <a:xfrm>
-            <a:off x="5362575" y="273052"/>
-            <a:ext cx="7667625" cy="5853113"/>
+            <a:off x="6077586" y="273053"/>
+            <a:ext cx="8689975" cy="5853113"/>
           </a:xfrm>
         </p:spPr>
         <p:txBody>
@@ -2189,8 +2189,8 @@
         </p:nvSpPr>
         <p:spPr>
           <a:xfrm>
-            <a:off x="685801" y="1435102"/>
-            <a:ext cx="4512469" cy="4691063"/>
+            <a:off x="777241" y="1435103"/>
+            <a:ext cx="5114132" cy="4691063"/>
           </a:xfrm>
         </p:spPr>
         <p:txBody>
@@ -2349,8 +2349,8 @@
         </p:nvSpPr>
         <p:spPr>
           <a:xfrm>
-            <a:off x="2688432" y="4800600"/>
-            <a:ext cx="8229600" cy="566738"/>
+            <a:off x="3046890" y="4800600"/>
+            <a:ext cx="9326880" cy="566738"/>
           </a:xfrm>
         </p:spPr>
         <p:txBody>
@@ -2381,8 +2381,8 @@
         </p:nvSpPr>
         <p:spPr>
           <a:xfrm>
-            <a:off x="2688432" y="612775"/>
-            <a:ext cx="8229600" cy="4114800"/>
+            <a:off x="3046890" y="612775"/>
+            <a:ext cx="9326880" cy="4114800"/>
           </a:xfrm>
         </p:spPr>
         <p:txBody>
@@ -2442,8 +2442,8 @@
         </p:nvSpPr>
         <p:spPr>
           <a:xfrm>
-            <a:off x="2688432" y="5367338"/>
-            <a:ext cx="8229600" cy="804862"/>
+            <a:off x="3046890" y="5367338"/>
+            <a:ext cx="9326880" cy="804862"/>
           </a:xfrm>
         </p:spPr>
         <p:txBody>
@@ -2607,8 +2607,8 @@
         </p:nvSpPr>
         <p:spPr>
           <a:xfrm>
-            <a:off x="685800" y="274638"/>
-            <a:ext cx="12344400" cy="1143000"/>
+            <a:off x="777240" y="274638"/>
+            <a:ext cx="13990320" cy="1143000"/>
           </a:xfrm>
           <a:prstGeom prst="rect">
             <a:avLst/>
@@ -2640,8 +2640,8 @@
         </p:nvSpPr>
         <p:spPr>
           <a:xfrm>
-            <a:off x="685800" y="1600202"/>
-            <a:ext cx="12344400" cy="4525963"/>
+            <a:off x="777240" y="1600203"/>
+            <a:ext cx="13990320" cy="4525963"/>
           </a:xfrm>
           <a:prstGeom prst="rect">
             <a:avLst/>
@@ -2702,8 +2702,8 @@
         </p:nvSpPr>
         <p:spPr>
           <a:xfrm>
-            <a:off x="685800" y="6356352"/>
-            <a:ext cx="3200400" cy="365125"/>
+            <a:off x="777240" y="6356353"/>
+            <a:ext cx="3627120" cy="365125"/>
           </a:xfrm>
           <a:prstGeom prst="rect">
             <a:avLst/>
@@ -2743,8 +2743,8 @@
         </p:nvSpPr>
         <p:spPr>
           <a:xfrm>
-            <a:off x="4686300" y="6356352"/>
-            <a:ext cx="4343400" cy="365125"/>
+            <a:off x="5311140" y="6356353"/>
+            <a:ext cx="4922520" cy="365125"/>
           </a:xfrm>
           <a:prstGeom prst="rect">
             <a:avLst/>
@@ -2780,8 +2780,8 @@
         </p:nvSpPr>
         <p:spPr>
           <a:xfrm>
-            <a:off x="9829800" y="6356352"/>
-            <a:ext cx="3200400" cy="365125"/>
+            <a:off x="11140440" y="6356353"/>
+            <a:ext cx="3627120" cy="365125"/>
           </a:xfrm>
           <a:prstGeom prst="rect">
             <a:avLst/>
@@ -3108,8 +3108,8 @@
         </p:nvSpPr>
         <p:spPr>
           <a:xfrm>
-            <a:off x="5393323" y="1339674"/>
-            <a:ext cx="3387262" cy="4371963"/>
+            <a:off x="5743951" y="1278118"/>
+            <a:ext cx="3838897" cy="4371963"/>
           </a:xfrm>
           <a:prstGeom prst="rect">
             <a:avLst/>
@@ -3156,8 +3156,8 @@
         </p:nvSpPr>
         <p:spPr>
           <a:xfrm>
-            <a:off x="5671687" y="3234567"/>
-            <a:ext cx="2825973" cy="2188849"/>
+            <a:off x="6059431" y="3173012"/>
+            <a:ext cx="3202769" cy="2188849"/>
           </a:xfrm>
           <a:prstGeom prst="rect">
             <a:avLst/>
@@ -3202,8 +3202,8 @@
         </p:nvSpPr>
         <p:spPr>
           <a:xfrm>
-            <a:off x="231966" y="1278118"/>
-            <a:ext cx="3915389" cy="5408706"/>
+            <a:off x="262895" y="1278118"/>
+            <a:ext cx="4437441" cy="5408706"/>
           </a:xfrm>
           <a:prstGeom prst="rect">
             <a:avLst/>
@@ -3252,8 +3252,8 @@
         </p:nvSpPr>
         <p:spPr>
           <a:xfrm>
-            <a:off x="559506" y="4501002"/>
-            <a:ext cx="3211294" cy="2007115"/>
+            <a:off x="634107" y="4501003"/>
+            <a:ext cx="3639467" cy="2007115"/>
           </a:xfrm>
           <a:prstGeom prst="rect">
             <a:avLst/>
@@ -3298,8 +3298,8 @@
         </p:nvSpPr>
         <p:spPr>
           <a:xfrm>
-            <a:off x="559506" y="1577006"/>
-            <a:ext cx="3211294" cy="2067451"/>
+            <a:off x="634107" y="1577007"/>
+            <a:ext cx="3639467" cy="2067451"/>
           </a:xfrm>
           <a:prstGeom prst="rect">
             <a:avLst/>
@@ -3344,7 +3344,7 @@
         </p:nvSpPr>
         <p:spPr>
           <a:xfrm>
-            <a:off x="5835228" y="3909807"/>
+            <a:off x="6244777" y="3848252"/>
             <a:ext cx="2662433" cy="1015663"/>
           </a:xfrm>
           <a:prstGeom prst="rect">
@@ -3380,7 +3380,7 @@
         </p:nvSpPr>
         <p:spPr>
           <a:xfrm>
-            <a:off x="5543578" y="210141"/>
+            <a:off x="6089267" y="210142"/>
             <a:ext cx="3136496" cy="830997"/>
           </a:xfrm>
           <a:prstGeom prst="rect">
@@ -3416,7 +3416,7 @@
         </p:nvSpPr>
         <p:spPr>
           <a:xfrm>
-            <a:off x="381932" y="210141"/>
+            <a:off x="832855" y="210142"/>
             <a:ext cx="3472525" cy="830997"/>
           </a:xfrm>
           <a:prstGeom prst="rect">
@@ -3452,7 +3452,7 @@
         </p:nvSpPr>
         <p:spPr>
           <a:xfrm>
-            <a:off x="6177764" y="1598813"/>
+            <a:off x="6632985" y="1537258"/>
             <a:ext cx="1979403" cy="1015663"/>
           </a:xfrm>
           <a:prstGeom prst="rect">
@@ -3488,7 +3488,7 @@
         </p:nvSpPr>
         <p:spPr>
           <a:xfrm>
-            <a:off x="707019" y="1487417"/>
+            <a:off x="801289" y="1487417"/>
             <a:ext cx="2993127" cy="923330"/>
           </a:xfrm>
           <a:prstGeom prst="rect">
@@ -3524,7 +3524,7 @@
         </p:nvSpPr>
         <p:spPr>
           <a:xfrm>
-            <a:off x="707019" y="4573052"/>
+            <a:off x="801289" y="4573052"/>
             <a:ext cx="2954655" cy="923330"/>
           </a:xfrm>
           <a:prstGeom prst="rect">
@@ -3560,8 +3560,8 @@
         </p:nvSpPr>
         <p:spPr>
           <a:xfrm>
-            <a:off x="1559276" y="5050792"/>
-            <a:ext cx="1269925" cy="2308324"/>
+            <a:off x="1767180" y="5050792"/>
+            <a:ext cx="1439248" cy="2308324"/>
           </a:xfrm>
           <a:prstGeom prst="rect">
             <a:avLst/>
@@ -3609,8 +3609,8 @@
         </p:nvSpPr>
         <p:spPr>
           <a:xfrm>
-            <a:off x="1446751" y="2082136"/>
-            <a:ext cx="1494975" cy="1200329"/>
+            <a:off x="1639652" y="2082137"/>
+            <a:ext cx="1694305" cy="1200329"/>
           </a:xfrm>
           <a:prstGeom prst="rect">
             <a:avLst/>
@@ -3652,8 +3652,8 @@
         </p:nvSpPr>
         <p:spPr>
           <a:xfrm>
-            <a:off x="10219398" y="1339674"/>
-            <a:ext cx="3496602" cy="4371963"/>
+            <a:off x="11581984" y="1339674"/>
+            <a:ext cx="3962816" cy="4371963"/>
           </a:xfrm>
           <a:prstGeom prst="rect">
             <a:avLst/>
@@ -3701,7 +3701,7 @@
         </p:nvSpPr>
         <p:spPr>
           <a:xfrm>
-            <a:off x="9962348" y="210141"/>
+            <a:off x="11581984" y="210142"/>
             <a:ext cx="3891210" cy="830997"/>
           </a:xfrm>
           <a:prstGeom prst="rect">
@@ -3737,7 +3737,7 @@
         </p:nvCxnSpPr>
         <p:spPr>
           <a:xfrm flipV="1">
-            <a:off x="7645163" y="2604152"/>
+            <a:off x="8296036" y="2542597"/>
             <a:ext cx="0" cy="1404257"/>
           </a:xfrm>
           <a:prstGeom prst="line">
@@ -3771,8 +3771,8 @@
         </p:nvCxnSpPr>
         <p:spPr>
           <a:xfrm>
-            <a:off x="7645163" y="2604151"/>
-            <a:ext cx="3402448" cy="10325"/>
+            <a:off x="8296036" y="2604151"/>
+            <a:ext cx="4224590" cy="10326"/>
           </a:xfrm>
           <a:prstGeom prst="line">
             <a:avLst/>
@@ -3805,17 +3805,13 @@
         </p:nvSpPr>
         <p:spPr>
           <a:xfrm>
-            <a:off x="8497661" y="1577006"/>
+            <a:off x="9630683" y="1577006"/>
             <a:ext cx="2003148" cy="923330"/>
           </a:xfrm>
           <a:prstGeom prst="rect">
             <a:avLst/>
           </a:prstGeom>
-          <a:solidFill>
-            <a:schemeClr val="bg1">
-              <a:alpha val="65000"/>
-            </a:schemeClr>
-          </a:solidFill>
+          <a:noFill/>
         </p:spPr>
         <p:txBody>
           <a:bodyPr wrap="none" rtlCol="0">
@@ -3847,8 +3843,8 @@
         </p:nvSpPr>
         <p:spPr>
           <a:xfrm>
-            <a:off x="10219398" y="2921182"/>
-            <a:ext cx="3570759" cy="1446550"/>
+            <a:off x="11581985" y="2921182"/>
+            <a:ext cx="4046860" cy="1569660"/>
           </a:xfrm>
           <a:prstGeom prst="rect">
             <a:avLst/>
@@ -3863,14 +3859,14 @@
           <a:p>
             <a:pPr algn="ctr"/>
             <a:r>
-              <a:rPr lang="en-US" sz="4400" b="1" dirty="0" err="1" smtClean="0">
+              <a:rPr lang="en-US" sz="4800" b="1" dirty="0" err="1" smtClean="0">
                 <a:latin typeface="Courier"/>
                 <a:cs typeface="Courier"/>
               </a:rPr>
               <a:t>LotsOData</a:t>
             </a:r>
             <a:r>
-              <a:rPr lang="en-US" sz="4400" b="1" dirty="0" smtClean="0">
+              <a:rPr lang="en-US" sz="4800" b="1" dirty="0" smtClean="0">
                 <a:latin typeface="Courier"/>
                 <a:cs typeface="Courier"/>
               </a:rPr>
@@ -3880,13 +3876,13 @@
           <a:p>
             <a:pPr algn="ctr"/>
             <a:r>
-              <a:rPr lang="en-US" sz="4400" b="1" dirty="0" smtClean="0">
+              <a:rPr lang="en-US" sz="4800" b="1" dirty="0" smtClean="0">
                 <a:latin typeface="Courier"/>
                 <a:cs typeface="Courier"/>
               </a:rPr>
               <a:t>com</a:t>
             </a:r>
-            <a:endParaRPr lang="en-US" sz="4400" b="1" dirty="0">
+            <a:endParaRPr lang="en-US" sz="4800" b="1" dirty="0">
               <a:latin typeface="Courier"/>
               <a:cs typeface="Courier"/>
             </a:endParaRPr>
@@ -3901,7 +3897,7 @@
         </p:nvCxnSpPr>
         <p:spPr>
           <a:xfrm flipV="1">
-            <a:off x="6846792" y="2604151"/>
+            <a:off x="7391216" y="2542595"/>
             <a:ext cx="0" cy="1404258"/>
           </a:xfrm>
           <a:prstGeom prst="line">
@@ -3935,8 +3931,8 @@
         </p:nvCxnSpPr>
         <p:spPr>
           <a:xfrm flipH="1">
-            <a:off x="3279301" y="2604151"/>
-            <a:ext cx="3567491" cy="0"/>
+            <a:off x="3716542" y="2604151"/>
+            <a:ext cx="3674674" cy="0"/>
           </a:xfrm>
           <a:prstGeom prst="line">
             <a:avLst/>
@@ -3969,8 +3965,8 @@
         </p:nvSpPr>
         <p:spPr>
           <a:xfrm>
-            <a:off x="5671688" y="1487417"/>
-            <a:ext cx="2783766" cy="1534683"/>
+            <a:off x="6059431" y="1425862"/>
+            <a:ext cx="3154935" cy="1534683"/>
           </a:xfrm>
           <a:prstGeom prst="rect">
             <a:avLst/>
@@ -4015,8 +4011,8 @@
         </p:nvCxnSpPr>
         <p:spPr>
           <a:xfrm flipH="1">
-            <a:off x="2141861" y="3282465"/>
-            <a:ext cx="52378" cy="1495385"/>
+            <a:off x="2427442" y="3282466"/>
+            <a:ext cx="59362" cy="1495385"/>
           </a:xfrm>
           <a:prstGeom prst="straightConnector1">
             <a:avLst/>
